--- a/docs/Teamwork and Communication.pptx
+++ b/docs/Teamwork and Communication.pptx
@@ -6,10 +6,10 @@
     <p:sldMasterId id="2147484900" r:id="rId2"/>
   </p:sldMasterIdLst>
   <p:notesMasterIdLst>
-    <p:notesMasterId r:id="rId19"/>
+    <p:notesMasterId r:id="rId18"/>
   </p:notesMasterIdLst>
   <p:handoutMasterIdLst>
-    <p:handoutMasterId r:id="rId20"/>
+    <p:handoutMasterId r:id="rId19"/>
   </p:handoutMasterIdLst>
   <p:sldIdLst>
     <p:sldId id="256" r:id="rId3"/>
@@ -26,13 +26,12 @@
     <p:sldId id="274" r:id="rId14"/>
     <p:sldId id="276" r:id="rId15"/>
     <p:sldId id="277" r:id="rId16"/>
-    <p:sldId id="261" r:id="rId17"/>
-    <p:sldId id="266" r:id="rId18"/>
+    <p:sldId id="266" r:id="rId17"/>
   </p:sldIdLst>
   <p:sldSz cx="9144000" cy="5143500" type="screen16x9"/>
   <p:notesSz cx="6896100" cy="9236075"/>
   <p:custDataLst>
-    <p:tags r:id="rId21"/>
+    <p:tags r:id="rId20"/>
   </p:custDataLst>
   <p:defaultTextStyle>
     <a:defPPr>
@@ -279,7 +278,7 @@
           <a:p>
             <a:fld id="{690F1594-CC62-5845-B1F7-E71E21355CA0}" type="datetimeFigureOut">
               <a:rPr lang="en-US" smtClean="0"/>
-              <a:t>3/14/2019</a:t>
+              <a:t>3/15/2019</a:t>
             </a:fld>
             <a:endParaRPr lang="en-US" dirty="0"/>
           </a:p>
@@ -444,7 +443,7 @@
           <a:p>
             <a:fld id="{388D7A57-43EE-2743-A988-E71AC45DE1BD}" type="datetimeFigureOut">
               <a:rPr lang="en-US" smtClean="0"/>
-              <a:t>3/14/2019</a:t>
+              <a:t>3/15/2019</a:t>
             </a:fld>
             <a:endParaRPr lang="en-US" dirty="0"/>
           </a:p>
@@ -4992,6 +4991,51 @@
                       </p:childTnLst>
                     </p:cTn>
                   </p:par>
+                  <p:par>
+                    <p:cTn id="19" fill="hold">
+                      <p:stCondLst>
+                        <p:cond delay="indefinite"/>
+                      </p:stCondLst>
+                      <p:childTnLst>
+                        <p:par>
+                          <p:cTn id="20" fill="hold">
+                            <p:stCondLst>
+                              <p:cond delay="0"/>
+                            </p:stCondLst>
+                            <p:childTnLst>
+                              <p:par>
+                                <p:cTn id="21" presetID="1" presetClass="entr" presetSubtype="0" fill="hold" nodeType="clickEffect">
+                                  <p:stCondLst>
+                                    <p:cond delay="0"/>
+                                  </p:stCondLst>
+                                  <p:childTnLst>
+                                    <p:set>
+                                      <p:cBhvr>
+                                        <p:cTn id="22" dur="1" fill="hold">
+                                          <p:stCondLst>
+                                            <p:cond delay="0"/>
+                                          </p:stCondLst>
+                                        </p:cTn>
+                                        <p:tgtEl>
+                                          <p:spTgt spid="5"/>
+                                        </p:tgtEl>
+                                        <p:attrNameLst>
+                                          <p:attrName>style.visibility</p:attrName>
+                                        </p:attrNameLst>
+                                      </p:cBhvr>
+                                      <p:to>
+                                        <p:strVal val="visible"/>
+                                      </p:to>
+                                    </p:set>
+                                  </p:childTnLst>
+                                </p:cTn>
+                              </p:par>
+                            </p:childTnLst>
+                          </p:cTn>
+                        </p:par>
+                      </p:childTnLst>
+                    </p:cTn>
+                  </p:par>
                 </p:childTnLst>
               </p:cTn>
               <p:prevCondLst>
@@ -6230,96 +6274,6 @@
 </file>
 
 <file path=ppt/slides/slide15.xml><?xml version="1.0" encoding="utf-8"?>
-<p:sld xmlns:a="http://schemas.openxmlformats.org/drawingml/2006/main" xmlns:r="http://schemas.openxmlformats.org/officeDocument/2006/relationships" xmlns:p="http://schemas.openxmlformats.org/presentationml/2006/main">
-  <p:cSld>
-    <p:spTree>
-      <p:nvGrpSpPr>
-        <p:cNvPr id="1" name=""/>
-        <p:cNvGrpSpPr/>
-        <p:nvPr/>
-      </p:nvGrpSpPr>
-      <p:grpSpPr>
-        <a:xfrm>
-          <a:off x="0" y="0"/>
-          <a:ext cx="0" cy="0"/>
-          <a:chOff x="0" y="0"/>
-          <a:chExt cx="0" cy="0"/>
-        </a:xfrm>
-      </p:grpSpPr>
-      <p:sp>
-        <p:nvSpPr>
-          <p:cNvPr id="2" name="Content Placeholder 1"/>
-          <p:cNvSpPr>
-            <a:spLocks noGrp="1"/>
-          </p:cNvSpPr>
-          <p:nvPr>
-            <p:ph sz="half" idx="1"/>
-          </p:nvPr>
-        </p:nvSpPr>
-        <p:spPr/>
-        <p:txBody>
-          <a:bodyPr/>
-          <a:lstStyle/>
-          <a:p>
-            <a:endParaRPr lang="en-US" dirty="0"/>
-          </a:p>
-        </p:txBody>
-      </p:sp>
-      <p:sp>
-        <p:nvSpPr>
-          <p:cNvPr id="3" name="Content Placeholder 2"/>
-          <p:cNvSpPr>
-            <a:spLocks noGrp="1"/>
-          </p:cNvSpPr>
-          <p:nvPr>
-            <p:ph sz="half" idx="2"/>
-          </p:nvPr>
-        </p:nvSpPr>
-        <p:spPr/>
-        <p:txBody>
-          <a:bodyPr/>
-          <a:lstStyle/>
-          <a:p>
-            <a:endParaRPr lang="en-US" dirty="0"/>
-          </a:p>
-        </p:txBody>
-      </p:sp>
-      <p:sp>
-        <p:nvSpPr>
-          <p:cNvPr id="4" name="Title 3"/>
-          <p:cNvSpPr>
-            <a:spLocks noGrp="1"/>
-          </p:cNvSpPr>
-          <p:nvPr>
-            <p:ph type="title"/>
-          </p:nvPr>
-        </p:nvSpPr>
-        <p:spPr/>
-        <p:txBody>
-          <a:bodyPr/>
-          <a:lstStyle/>
-          <a:p>
-            <a:endParaRPr lang="en-US" dirty="0"/>
-          </a:p>
-        </p:txBody>
-      </p:sp>
-    </p:spTree>
-    <p:extLst>
-      <p:ext uri="{BB962C8B-B14F-4D97-AF65-F5344CB8AC3E}">
-        <p14:creationId xmlns:p14="http://schemas.microsoft.com/office/powerpoint/2010/main" val="2119368054"/>
-      </p:ext>
-    </p:extLst>
-  </p:cSld>
-  <p:clrMapOvr>
-    <a:masterClrMapping/>
-  </p:clrMapOvr>
-  <p:transition>
-    <p:wipe dir="r"/>
-  </p:transition>
-</p:sld>
-</file>
-
-<file path=ppt/slides/slide16.xml><?xml version="1.0" encoding="utf-8"?>
 <p:sld xmlns:a="http://schemas.openxmlformats.org/drawingml/2006/main" xmlns:r="http://schemas.openxmlformats.org/officeDocument/2006/relationships" xmlns:p="http://schemas.openxmlformats.org/presentationml/2006/main">
   <p:cSld>
     <p:spTree>
